--- a/Slide/2D게임 프로그래밍.pptx
+++ b/Slide/2D게임 프로그래밍.pptx
@@ -11,6 +11,7 @@
     <p:sldId id="258" r:id="rId8"/>
     <p:sldId id="260" r:id="rId9"/>
     <p:sldId id="261" r:id="rId10"/>
+    <p:sldId id="262" r:id="rId11"/>
   </p:sldIdLst>
   <p:sldSz cx="12192000" cy="6858000"/>
   <p:notesSz cx="6858000" cy="9144000"/>
@@ -121,6 +122,7 @@
 <p1510:revInfo xmlns:a="http://schemas.openxmlformats.org/drawingml/2006/main" xmlns:r="http://schemas.openxmlformats.org/officeDocument/2006/relationships" xmlns:p1510="http://schemas.microsoft.com/office/powerpoint/2015/10/main">
   <p1510:revLst>
     <p1510:client id="{91C7F952-80DE-4CF6-867C-EA46A9212FF1}" v="307" dt="2025-09-28T14:16:07.134"/>
+    <p1510:client id="{A3572034-1647-4B34-A1E2-C5CB51F2ADAA}" v="80" dt="2025-09-28T14:54:03.133"/>
   </p1510:revLst>
 </p1510:revInfo>
 </file>
@@ -7840,6 +7842,1291 @@
 </p:sld>
 </file>
 
+<file path=ppt/slides/slide7.xml><?xml version="1.0" encoding="utf-8"?>
+<p:sld xmlns:a="http://schemas.openxmlformats.org/drawingml/2006/main" xmlns:r="http://schemas.openxmlformats.org/officeDocument/2006/relationships" xmlns:p="http://schemas.openxmlformats.org/presentationml/2006/main">
+  <p:cSld>
+    <p:spTree>
+      <p:nvGrpSpPr>
+        <p:cNvPr id="1" name=""/>
+        <p:cNvGrpSpPr/>
+        <p:nvPr/>
+      </p:nvGrpSpPr>
+      <p:grpSpPr>
+        <a:xfrm>
+          <a:off x="0" y="0"/>
+          <a:ext cx="0" cy="0"/>
+          <a:chOff x="0" y="0"/>
+          <a:chExt cx="0" cy="0"/>
+        </a:xfrm>
+      </p:grpSpPr>
+      <p:cxnSp>
+        <p:nvCxnSpPr>
+          <p:cNvPr id="4" name="직선 연결선 3">
+            <a:extLst>
+              <a:ext uri="{FF2B5EF4-FFF2-40B4-BE49-F238E27FC236}">
+                <a16:creationId xmlns:a16="http://schemas.microsoft.com/office/drawing/2014/main" id="{4DEFD26B-7A92-D6C9-A24A-CDC651A4728A}"/>
+              </a:ext>
+            </a:extLst>
+          </p:cNvPr>
+          <p:cNvCxnSpPr/>
+          <p:nvPr/>
+        </p:nvCxnSpPr>
+        <p:spPr>
+          <a:xfrm>
+            <a:off x="2091350" y="760491"/>
+            <a:ext cx="10100650" cy="0"/>
+          </a:xfrm>
+          <a:prstGeom prst="line">
+            <a:avLst/>
+          </a:prstGeom>
+          <a:ln>
+            <a:solidFill>
+              <a:schemeClr val="tx1"/>
+            </a:solidFill>
+          </a:ln>
+        </p:spPr>
+        <p:style>
+          <a:lnRef idx="2">
+            <a:schemeClr val="accent1"/>
+          </a:lnRef>
+          <a:fillRef idx="0">
+            <a:schemeClr val="accent1"/>
+          </a:fillRef>
+          <a:effectRef idx="1">
+            <a:schemeClr val="accent1"/>
+          </a:effectRef>
+          <a:fontRef idx="minor">
+            <a:schemeClr val="tx1"/>
+          </a:fontRef>
+        </p:style>
+      </p:cxnSp>
+      <p:sp>
+        <p:nvSpPr>
+          <p:cNvPr id="5" name="직사각형 4">
+            <a:extLst>
+              <a:ext uri="{FF2B5EF4-FFF2-40B4-BE49-F238E27FC236}">
+                <a16:creationId xmlns:a16="http://schemas.microsoft.com/office/drawing/2014/main" id="{FF0B9B0B-09C5-F83B-B240-6B37B878021E}"/>
+              </a:ext>
+            </a:extLst>
+          </p:cNvPr>
+          <p:cNvSpPr/>
+          <p:nvPr/>
+        </p:nvSpPr>
+        <p:spPr>
+          <a:xfrm>
+            <a:off x="729283" y="591214"/>
+            <a:ext cx="697628" cy="400110"/>
+          </a:xfrm>
+          <a:prstGeom prst="rect">
+            <a:avLst/>
+          </a:prstGeom>
+          <a:noFill/>
+        </p:spPr>
+        <p:txBody>
+          <a:bodyPr wrap="none" lIns="91440" tIns="45720" rIns="91440" bIns="45720">
+            <a:spAutoFit/>
+          </a:bodyPr>
+          <a:lstStyle/>
+          <a:p>
+            <a:pPr algn="ctr"/>
+            <a:r>
+              <a:rPr lang="ko-KR" altLang="en-US" sz="2000" b="0" cap="none" spc="0" dirty="0">
+                <a:ln w="0"/>
+                <a:solidFill>
+                  <a:schemeClr val="tx1"/>
+                </a:solidFill>
+                <a:effectLst>
+                  <a:outerShdw blurRad="38100" dist="19050" dir="2700000" algn="tl" rotWithShape="0">
+                    <a:schemeClr val="dk1">
+                      <a:alpha val="40000"/>
+                    </a:schemeClr>
+                  </a:outerShdw>
+                </a:effectLst>
+                <a:latin typeface="맑은 고딕" panose="020B0503020000020004" pitchFamily="50" charset="-127"/>
+                <a:ea typeface="맑은 고딕" panose="020B0503020000020004" pitchFamily="50" charset="-127"/>
+              </a:rPr>
+              <a:t>상세</a:t>
+            </a:r>
+            <a:endParaRPr lang="en-US" altLang="ko-KR" sz="2000" b="0" cap="none" spc="0" dirty="0">
+              <a:ln w="0"/>
+              <a:solidFill>
+                <a:schemeClr val="tx1"/>
+              </a:solidFill>
+              <a:effectLst>
+                <a:outerShdw blurRad="38100" dist="19050" dir="2700000" algn="tl" rotWithShape="0">
+                  <a:schemeClr val="dk1">
+                    <a:alpha val="40000"/>
+                  </a:schemeClr>
+                </a:outerShdw>
+              </a:effectLst>
+              <a:latin typeface="맑은 고딕" panose="020B0503020000020004" pitchFamily="50" charset="-127"/>
+              <a:ea typeface="맑은 고딕" panose="020B0503020000020004" pitchFamily="50" charset="-127"/>
+            </a:endParaRPr>
+          </a:p>
+        </p:txBody>
+      </p:sp>
+      <p:sp>
+        <p:nvSpPr>
+          <p:cNvPr id="6" name="직사각형 5">
+            <a:extLst>
+              <a:ext uri="{FF2B5EF4-FFF2-40B4-BE49-F238E27FC236}">
+                <a16:creationId xmlns:a16="http://schemas.microsoft.com/office/drawing/2014/main" id="{62B19938-D810-468D-4FA7-EA8AD435AE44}"/>
+              </a:ext>
+            </a:extLst>
+          </p:cNvPr>
+          <p:cNvSpPr/>
+          <p:nvPr/>
+        </p:nvSpPr>
+        <p:spPr>
+          <a:xfrm>
+            <a:off x="1214777" y="1118627"/>
+            <a:ext cx="2997300" cy="4770537"/>
+          </a:xfrm>
+          <a:prstGeom prst="rect">
+            <a:avLst/>
+          </a:prstGeom>
+          <a:noFill/>
+        </p:spPr>
+        <p:txBody>
+          <a:bodyPr wrap="square" lIns="91440" tIns="45720" rIns="91440" bIns="45720">
+            <a:spAutoFit/>
+          </a:bodyPr>
+          <a:lstStyle/>
+          <a:p>
+            <a:pPr marL="742950" lvl="1" indent="-285750">
+              <a:buFont typeface="Arial" panose="020B0604020202020204" pitchFamily="34" charset="0"/>
+              <a:buChar char="•"/>
+            </a:pPr>
+            <a:r>
+              <a:rPr lang="ko-KR" altLang="en-US" sz="2000" dirty="0">
+                <a:ln w="0"/>
+                <a:effectLst>
+                  <a:outerShdw blurRad="38100" dist="19050" dir="2700000" algn="tl" rotWithShape="0">
+                    <a:schemeClr val="dk1">
+                      <a:alpha val="40000"/>
+                    </a:schemeClr>
+                  </a:outerShdw>
+                </a:effectLst>
+              </a:rPr>
+              <a:t>장비</a:t>
+            </a:r>
+            <a:endParaRPr lang="en-US" altLang="ko-KR" sz="2000" dirty="0">
+              <a:ln w="0"/>
+              <a:effectLst>
+                <a:outerShdw blurRad="38100" dist="19050" dir="2700000" algn="tl" rotWithShape="0">
+                  <a:schemeClr val="dk1">
+                    <a:alpha val="40000"/>
+                  </a:schemeClr>
+                </a:outerShdw>
+              </a:effectLst>
+            </a:endParaRPr>
+          </a:p>
+          <a:p>
+            <a:pPr marL="1200150" lvl="2" indent="-285750">
+              <a:buFont typeface="Arial" panose="020B0604020202020204" pitchFamily="34" charset="0"/>
+              <a:buChar char="•"/>
+            </a:pPr>
+            <a:r>
+              <a:rPr lang="ko-KR" altLang="en-US" dirty="0">
+                <a:ln w="0"/>
+                <a:effectLst>
+                  <a:outerShdw blurRad="38100" dist="19050" dir="2700000" algn="tl" rotWithShape="0">
+                    <a:schemeClr val="dk1">
+                      <a:alpha val="40000"/>
+                    </a:schemeClr>
+                  </a:outerShdw>
+                </a:effectLst>
+              </a:rPr>
+              <a:t>장신구</a:t>
+            </a:r>
+            <a:endParaRPr lang="en-US" altLang="ko-KR" dirty="0">
+              <a:ln w="0"/>
+              <a:effectLst>
+                <a:outerShdw blurRad="38100" dist="19050" dir="2700000" algn="tl" rotWithShape="0">
+                  <a:schemeClr val="dk1">
+                    <a:alpha val="40000"/>
+                  </a:schemeClr>
+                </a:outerShdw>
+              </a:effectLst>
+            </a:endParaRPr>
+          </a:p>
+          <a:p>
+            <a:pPr marL="1657350" lvl="3" indent="-285750">
+              <a:buFont typeface="Arial" panose="020B0604020202020204" pitchFamily="34" charset="0"/>
+              <a:buChar char="•"/>
+            </a:pPr>
+            <a:r>
+              <a:rPr lang="ko-KR" altLang="en-US" sz="1600" dirty="0">
+                <a:ln w="0"/>
+                <a:effectLst>
+                  <a:outerShdw blurRad="38100" dist="19050" dir="2700000" algn="tl" rotWithShape="0">
+                    <a:schemeClr val="dk1">
+                      <a:alpha val="40000"/>
+                    </a:schemeClr>
+                  </a:outerShdw>
+                </a:effectLst>
+              </a:rPr>
+              <a:t>팔찌</a:t>
+            </a:r>
+            <a:endParaRPr lang="en-US" altLang="ko-KR" sz="1600" dirty="0">
+              <a:ln w="0"/>
+              <a:effectLst>
+                <a:outerShdw blurRad="38100" dist="19050" dir="2700000" algn="tl" rotWithShape="0">
+                  <a:schemeClr val="dk1">
+                    <a:alpha val="40000"/>
+                  </a:schemeClr>
+                </a:outerShdw>
+              </a:effectLst>
+            </a:endParaRPr>
+          </a:p>
+          <a:p>
+            <a:pPr marL="1657350" lvl="3" indent="-285750">
+              <a:buFont typeface="Arial" panose="020B0604020202020204" pitchFamily="34" charset="0"/>
+              <a:buChar char="•"/>
+            </a:pPr>
+            <a:r>
+              <a:rPr lang="ko-KR" altLang="en-US" sz="1600" dirty="0">
+                <a:ln w="0"/>
+                <a:effectLst>
+                  <a:outerShdw blurRad="38100" dist="19050" dir="2700000" algn="tl" rotWithShape="0">
+                    <a:schemeClr val="dk1">
+                      <a:alpha val="40000"/>
+                    </a:schemeClr>
+                  </a:outerShdw>
+                </a:effectLst>
+              </a:rPr>
+              <a:t>반지</a:t>
+            </a:r>
+            <a:endParaRPr lang="en-US" altLang="ko-KR" sz="1600" dirty="0">
+              <a:ln w="0"/>
+              <a:effectLst>
+                <a:outerShdw blurRad="38100" dist="19050" dir="2700000" algn="tl" rotWithShape="0">
+                  <a:schemeClr val="dk1">
+                    <a:alpha val="40000"/>
+                  </a:schemeClr>
+                </a:outerShdw>
+              </a:effectLst>
+            </a:endParaRPr>
+          </a:p>
+          <a:p>
+            <a:pPr marL="1200150" lvl="2" indent="-285750">
+              <a:buFont typeface="Arial" panose="020B0604020202020204" pitchFamily="34" charset="0"/>
+              <a:buChar char="•"/>
+            </a:pPr>
+            <a:r>
+              <a:rPr lang="ko-KR" altLang="en-US" dirty="0" err="1">
+                <a:ln w="0"/>
+                <a:effectLst>
+                  <a:outerShdw blurRad="38100" dist="19050" dir="2700000" algn="tl" rotWithShape="0">
+                    <a:schemeClr val="dk1">
+                      <a:alpha val="40000"/>
+                    </a:schemeClr>
+                  </a:outerShdw>
+                </a:effectLst>
+              </a:rPr>
+              <a:t>방어구</a:t>
+            </a:r>
+            <a:endParaRPr lang="en-US" altLang="ko-KR" dirty="0">
+              <a:ln w="0"/>
+              <a:effectLst>
+                <a:outerShdw blurRad="38100" dist="19050" dir="2700000" algn="tl" rotWithShape="0">
+                  <a:schemeClr val="dk1">
+                    <a:alpha val="40000"/>
+                  </a:schemeClr>
+                </a:outerShdw>
+              </a:effectLst>
+            </a:endParaRPr>
+          </a:p>
+          <a:p>
+            <a:pPr marL="1657350" lvl="3" indent="-285750">
+              <a:buFont typeface="Arial" panose="020B0604020202020204" pitchFamily="34" charset="0"/>
+              <a:buChar char="•"/>
+            </a:pPr>
+            <a:r>
+              <a:rPr lang="ko-KR" altLang="en-US" sz="1600" dirty="0">
+                <a:ln w="0"/>
+                <a:effectLst>
+                  <a:outerShdw blurRad="38100" dist="19050" dir="2700000" algn="tl" rotWithShape="0">
+                    <a:schemeClr val="dk1">
+                      <a:alpha val="40000"/>
+                    </a:schemeClr>
+                  </a:outerShdw>
+                </a:effectLst>
+              </a:rPr>
+              <a:t>로브</a:t>
+            </a:r>
+            <a:endParaRPr lang="en-US" altLang="ko-KR" sz="1600" dirty="0">
+              <a:ln w="0"/>
+              <a:effectLst>
+                <a:outerShdw blurRad="38100" dist="19050" dir="2700000" algn="tl" rotWithShape="0">
+                  <a:schemeClr val="dk1">
+                    <a:alpha val="40000"/>
+                  </a:schemeClr>
+                </a:outerShdw>
+              </a:effectLst>
+            </a:endParaRPr>
+          </a:p>
+          <a:p>
+            <a:pPr marL="1657350" lvl="3" indent="-285750">
+              <a:buFont typeface="Arial" panose="020B0604020202020204" pitchFamily="34" charset="0"/>
+              <a:buChar char="•"/>
+            </a:pPr>
+            <a:r>
+              <a:rPr lang="ko-KR" altLang="en-US" sz="1600" dirty="0">
+                <a:ln w="0"/>
+                <a:effectLst>
+                  <a:outerShdw blurRad="38100" dist="19050" dir="2700000" algn="tl" rotWithShape="0">
+                    <a:schemeClr val="dk1">
+                      <a:alpha val="40000"/>
+                    </a:schemeClr>
+                  </a:outerShdw>
+                </a:effectLst>
+              </a:rPr>
+              <a:t>갑옷</a:t>
+            </a:r>
+            <a:endParaRPr lang="en-US" altLang="ko-KR" sz="1600" dirty="0">
+              <a:ln w="0"/>
+              <a:effectLst>
+                <a:outerShdw blurRad="38100" dist="19050" dir="2700000" algn="tl" rotWithShape="0">
+                  <a:schemeClr val="dk1">
+                    <a:alpha val="40000"/>
+                  </a:schemeClr>
+                </a:outerShdw>
+              </a:effectLst>
+            </a:endParaRPr>
+          </a:p>
+          <a:p>
+            <a:pPr marL="1200150" lvl="2" indent="-285750">
+              <a:buFont typeface="Arial" panose="020B0604020202020204" pitchFamily="34" charset="0"/>
+              <a:buChar char="•"/>
+            </a:pPr>
+            <a:r>
+              <a:rPr lang="ko-KR" altLang="en-US" dirty="0">
+                <a:ln w="0"/>
+                <a:effectLst>
+                  <a:outerShdw blurRad="38100" dist="19050" dir="2700000" algn="tl" rotWithShape="0">
+                    <a:schemeClr val="dk1">
+                      <a:alpha val="40000"/>
+                    </a:schemeClr>
+                  </a:outerShdw>
+                </a:effectLst>
+              </a:rPr>
+              <a:t>무기</a:t>
+            </a:r>
+            <a:endParaRPr lang="en-US" altLang="ko-KR" dirty="0">
+              <a:ln w="0"/>
+              <a:effectLst>
+                <a:outerShdw blurRad="38100" dist="19050" dir="2700000" algn="tl" rotWithShape="0">
+                  <a:schemeClr val="dk1">
+                    <a:alpha val="40000"/>
+                  </a:schemeClr>
+                </a:outerShdw>
+              </a:effectLst>
+            </a:endParaRPr>
+          </a:p>
+          <a:p>
+            <a:pPr marL="1657350" lvl="3" indent="-285750">
+              <a:buFont typeface="Arial" panose="020B0604020202020204" pitchFamily="34" charset="0"/>
+              <a:buChar char="•"/>
+            </a:pPr>
+            <a:r>
+              <a:rPr lang="ko-KR" altLang="en-US" sz="1600" dirty="0" err="1">
+                <a:ln w="0"/>
+                <a:effectLst>
+                  <a:outerShdw blurRad="38100" dist="19050" dir="2700000" algn="tl" rotWithShape="0">
+                    <a:schemeClr val="dk1">
+                      <a:alpha val="40000"/>
+                    </a:schemeClr>
+                  </a:outerShdw>
+                </a:effectLst>
+              </a:rPr>
+              <a:t>완드</a:t>
+            </a:r>
+            <a:endParaRPr lang="en-US" altLang="ko-KR" sz="1600" dirty="0">
+              <a:ln w="0"/>
+              <a:effectLst>
+                <a:outerShdw blurRad="38100" dist="19050" dir="2700000" algn="tl" rotWithShape="0">
+                  <a:schemeClr val="dk1">
+                    <a:alpha val="40000"/>
+                  </a:schemeClr>
+                </a:outerShdw>
+              </a:effectLst>
+            </a:endParaRPr>
+          </a:p>
+          <a:p>
+            <a:pPr marL="1657350" lvl="3" indent="-285750">
+              <a:buFont typeface="Arial" panose="020B0604020202020204" pitchFamily="34" charset="0"/>
+              <a:buChar char="•"/>
+            </a:pPr>
+            <a:r>
+              <a:rPr lang="ko-KR" altLang="en-US" sz="1600" dirty="0" err="1">
+                <a:ln w="0"/>
+                <a:effectLst>
+                  <a:outerShdw blurRad="38100" dist="19050" dir="2700000" algn="tl" rotWithShape="0">
+                    <a:schemeClr val="dk1">
+                      <a:alpha val="40000"/>
+                    </a:schemeClr>
+                  </a:outerShdw>
+                </a:effectLst>
+              </a:rPr>
+              <a:t>롱소드</a:t>
+            </a:r>
+            <a:endParaRPr lang="en-US" altLang="ko-KR" sz="1600" dirty="0">
+              <a:ln w="0"/>
+              <a:effectLst>
+                <a:outerShdw blurRad="38100" dist="19050" dir="2700000" algn="tl" rotWithShape="0">
+                  <a:schemeClr val="dk1">
+                    <a:alpha val="40000"/>
+                  </a:schemeClr>
+                </a:outerShdw>
+              </a:effectLst>
+            </a:endParaRPr>
+          </a:p>
+          <a:p>
+            <a:pPr marL="1657350" lvl="3" indent="-285750">
+              <a:buFont typeface="Arial" panose="020B0604020202020204" pitchFamily="34" charset="0"/>
+              <a:buChar char="•"/>
+            </a:pPr>
+            <a:endParaRPr lang="en-US" altLang="ko-KR" sz="1600" dirty="0">
+              <a:ln w="0"/>
+              <a:effectLst>
+                <a:outerShdw blurRad="38100" dist="19050" dir="2700000" algn="tl" rotWithShape="0">
+                  <a:schemeClr val="dk1">
+                    <a:alpha val="40000"/>
+                  </a:schemeClr>
+                </a:outerShdw>
+              </a:effectLst>
+            </a:endParaRPr>
+          </a:p>
+          <a:p>
+            <a:pPr marL="742950" lvl="1" indent="-285750">
+              <a:buFont typeface="Arial" panose="020B0604020202020204" pitchFamily="34" charset="0"/>
+              <a:buChar char="•"/>
+            </a:pPr>
+            <a:r>
+              <a:rPr lang="ko-KR" altLang="en-US" sz="2000" dirty="0">
+                <a:ln w="0"/>
+                <a:effectLst>
+                  <a:outerShdw blurRad="38100" dist="19050" dir="2700000" algn="tl" rotWithShape="0">
+                    <a:schemeClr val="dk1">
+                      <a:alpha val="40000"/>
+                    </a:schemeClr>
+                  </a:outerShdw>
+                </a:effectLst>
+              </a:rPr>
+              <a:t>스킬</a:t>
+            </a:r>
+            <a:endParaRPr lang="en-US" altLang="ko-KR" sz="2000" dirty="0">
+              <a:ln w="0"/>
+              <a:effectLst>
+                <a:outerShdw blurRad="38100" dist="19050" dir="2700000" algn="tl" rotWithShape="0">
+                  <a:schemeClr val="dk1">
+                    <a:alpha val="40000"/>
+                  </a:schemeClr>
+                </a:outerShdw>
+              </a:effectLst>
+            </a:endParaRPr>
+          </a:p>
+          <a:p>
+            <a:pPr marL="1200150" lvl="2" indent="-285750">
+              <a:buFont typeface="Arial" panose="020B0604020202020204" pitchFamily="34" charset="0"/>
+              <a:buChar char="•"/>
+            </a:pPr>
+            <a:r>
+              <a:rPr lang="ko-KR" altLang="en-US" dirty="0">
+                <a:ln w="0"/>
+                <a:effectLst>
+                  <a:outerShdw blurRad="38100" dist="19050" dir="2700000" algn="tl" rotWithShape="0">
+                    <a:schemeClr val="dk1">
+                      <a:alpha val="40000"/>
+                    </a:schemeClr>
+                  </a:outerShdw>
+                </a:effectLst>
+              </a:rPr>
+              <a:t>마법공격</a:t>
+            </a:r>
+            <a:endParaRPr lang="en-US" altLang="ko-KR" dirty="0">
+              <a:ln w="0"/>
+              <a:effectLst>
+                <a:outerShdw blurRad="38100" dist="19050" dir="2700000" algn="tl" rotWithShape="0">
+                  <a:schemeClr val="dk1">
+                    <a:alpha val="40000"/>
+                  </a:schemeClr>
+                </a:outerShdw>
+              </a:effectLst>
+            </a:endParaRPr>
+          </a:p>
+          <a:p>
+            <a:pPr marL="1657350" lvl="3" indent="-285750">
+              <a:buFont typeface="Arial" panose="020B0604020202020204" pitchFamily="34" charset="0"/>
+              <a:buChar char="•"/>
+            </a:pPr>
+            <a:r>
+              <a:rPr lang="ko-KR" altLang="en-US" sz="1600" dirty="0">
+                <a:ln w="0"/>
+                <a:effectLst>
+                  <a:outerShdw blurRad="38100" dist="19050" dir="2700000" algn="tl" rotWithShape="0">
+                    <a:schemeClr val="dk1">
+                      <a:alpha val="40000"/>
+                    </a:schemeClr>
+                  </a:outerShdw>
+                </a:effectLst>
+              </a:rPr>
+              <a:t>바람</a:t>
+            </a:r>
+            <a:endParaRPr lang="en-US" altLang="ko-KR" sz="1600" dirty="0">
+              <a:ln w="0"/>
+              <a:effectLst>
+                <a:outerShdw blurRad="38100" dist="19050" dir="2700000" algn="tl" rotWithShape="0">
+                  <a:schemeClr val="dk1">
+                    <a:alpha val="40000"/>
+                  </a:schemeClr>
+                </a:outerShdw>
+              </a:effectLst>
+            </a:endParaRPr>
+          </a:p>
+          <a:p>
+            <a:pPr marL="1657350" lvl="3" indent="-285750">
+              <a:buFont typeface="Arial" panose="020B0604020202020204" pitchFamily="34" charset="0"/>
+              <a:buChar char="•"/>
+            </a:pPr>
+            <a:r>
+              <a:rPr lang="ko-KR" altLang="en-US" sz="1600" dirty="0">
+                <a:ln w="0"/>
+                <a:effectLst>
+                  <a:outerShdw blurRad="38100" dist="19050" dir="2700000" algn="tl" rotWithShape="0">
+                    <a:schemeClr val="dk1">
+                      <a:alpha val="40000"/>
+                    </a:schemeClr>
+                  </a:outerShdw>
+                </a:effectLst>
+              </a:rPr>
+              <a:t>전기</a:t>
+            </a:r>
+            <a:endParaRPr lang="en-US" altLang="ko-KR" sz="1600" dirty="0">
+              <a:ln w="0"/>
+              <a:effectLst>
+                <a:outerShdw blurRad="38100" dist="19050" dir="2700000" algn="tl" rotWithShape="0">
+                  <a:schemeClr val="dk1">
+                    <a:alpha val="40000"/>
+                  </a:schemeClr>
+                </a:outerShdw>
+              </a:effectLst>
+            </a:endParaRPr>
+          </a:p>
+          <a:p>
+            <a:pPr marL="1657350" lvl="3" indent="-285750">
+              <a:buFont typeface="Arial" panose="020B0604020202020204" pitchFamily="34" charset="0"/>
+              <a:buChar char="•"/>
+            </a:pPr>
+            <a:r>
+              <a:rPr lang="ko-KR" altLang="en-US" sz="1600" dirty="0">
+                <a:ln w="0"/>
+                <a:effectLst>
+                  <a:outerShdw blurRad="38100" dist="19050" dir="2700000" algn="tl" rotWithShape="0">
+                    <a:schemeClr val="dk1">
+                      <a:alpha val="40000"/>
+                    </a:schemeClr>
+                  </a:outerShdw>
+                </a:effectLst>
+              </a:rPr>
+              <a:t>불</a:t>
+            </a:r>
+            <a:endParaRPr lang="en-US" altLang="ko-KR" sz="1600" dirty="0">
+              <a:ln w="0"/>
+              <a:effectLst>
+                <a:outerShdw blurRad="38100" dist="19050" dir="2700000" algn="tl" rotWithShape="0">
+                  <a:schemeClr val="dk1">
+                    <a:alpha val="40000"/>
+                  </a:schemeClr>
+                </a:outerShdw>
+              </a:effectLst>
+            </a:endParaRPr>
+          </a:p>
+          <a:p>
+            <a:pPr marL="1200150" lvl="2" indent="-285750">
+              <a:buFont typeface="Arial" panose="020B0604020202020204" pitchFamily="34" charset="0"/>
+              <a:buChar char="•"/>
+            </a:pPr>
+            <a:r>
+              <a:rPr lang="ko-KR" altLang="en-US" dirty="0">
+                <a:ln w="0"/>
+                <a:effectLst>
+                  <a:outerShdw blurRad="38100" dist="19050" dir="2700000" algn="tl" rotWithShape="0">
+                    <a:schemeClr val="dk1">
+                      <a:alpha val="40000"/>
+                    </a:schemeClr>
+                  </a:outerShdw>
+                </a:effectLst>
+              </a:rPr>
+              <a:t>물리공격</a:t>
+            </a:r>
+            <a:endParaRPr lang="en-US" altLang="ko-KR" sz="1400" dirty="0">
+              <a:ln w="0"/>
+              <a:effectLst>
+                <a:outerShdw blurRad="38100" dist="19050" dir="2700000" algn="tl" rotWithShape="0">
+                  <a:schemeClr val="dk1">
+                    <a:alpha val="40000"/>
+                  </a:schemeClr>
+                </a:outerShdw>
+              </a:effectLst>
+            </a:endParaRPr>
+          </a:p>
+          <a:p>
+            <a:pPr marL="1200150" lvl="2" indent="-285750">
+              <a:buFont typeface="Arial" panose="020B0604020202020204" pitchFamily="34" charset="0"/>
+              <a:buChar char="•"/>
+            </a:pPr>
+            <a:endParaRPr lang="en-US" altLang="ko-KR" sz="1400" dirty="0">
+              <a:ln w="0"/>
+              <a:effectLst>
+                <a:outerShdw blurRad="38100" dist="19050" dir="2700000" algn="tl" rotWithShape="0">
+                  <a:schemeClr val="dk1">
+                    <a:alpha val="40000"/>
+                  </a:schemeClr>
+                </a:outerShdw>
+              </a:effectLst>
+            </a:endParaRPr>
+          </a:p>
+        </p:txBody>
+      </p:sp>
+      <p:sp>
+        <p:nvSpPr>
+          <p:cNvPr id="7" name="직사각형 6">
+            <a:extLst>
+              <a:ext uri="{FF2B5EF4-FFF2-40B4-BE49-F238E27FC236}">
+                <a16:creationId xmlns:a16="http://schemas.microsoft.com/office/drawing/2014/main" id="{555E43F3-B014-64B7-5BBD-EFE94B168331}"/>
+              </a:ext>
+            </a:extLst>
+          </p:cNvPr>
+          <p:cNvSpPr/>
+          <p:nvPr/>
+        </p:nvSpPr>
+        <p:spPr>
+          <a:xfrm>
+            <a:off x="3565628" y="1154242"/>
+            <a:ext cx="2997300" cy="1908215"/>
+          </a:xfrm>
+          <a:prstGeom prst="rect">
+            <a:avLst/>
+          </a:prstGeom>
+          <a:noFill/>
+        </p:spPr>
+        <p:txBody>
+          <a:bodyPr wrap="square" lIns="91440" tIns="45720" rIns="91440" bIns="45720">
+            <a:spAutoFit/>
+          </a:bodyPr>
+          <a:lstStyle/>
+          <a:p>
+            <a:pPr marL="742950" lvl="1" indent="-285750">
+              <a:buFont typeface="Arial" panose="020B0604020202020204" pitchFamily="34" charset="0"/>
+              <a:buChar char="•"/>
+            </a:pPr>
+            <a:r>
+              <a:rPr lang="ko-KR" altLang="en-US" sz="2000" dirty="0">
+                <a:ln w="0"/>
+                <a:effectLst>
+                  <a:outerShdw blurRad="38100" dist="19050" dir="2700000" algn="tl" rotWithShape="0">
+                    <a:schemeClr val="dk1">
+                      <a:alpha val="40000"/>
+                    </a:schemeClr>
+                  </a:outerShdw>
+                </a:effectLst>
+              </a:rPr>
+              <a:t>이동</a:t>
+            </a:r>
+            <a:endParaRPr lang="en-US" altLang="ko-KR" sz="2000" dirty="0">
+              <a:ln w="0"/>
+              <a:effectLst>
+                <a:outerShdw blurRad="38100" dist="19050" dir="2700000" algn="tl" rotWithShape="0">
+                  <a:schemeClr val="dk1">
+                    <a:alpha val="40000"/>
+                  </a:schemeClr>
+                </a:outerShdw>
+              </a:effectLst>
+            </a:endParaRPr>
+          </a:p>
+          <a:p>
+            <a:pPr marL="1200150" lvl="2" indent="-285750">
+              <a:buFont typeface="Arial" panose="020B0604020202020204" pitchFamily="34" charset="0"/>
+              <a:buChar char="•"/>
+            </a:pPr>
+            <a:r>
+              <a:rPr lang="ko-KR" altLang="en-US" sz="1400" dirty="0">
+                <a:ln w="0"/>
+                <a:effectLst>
+                  <a:outerShdw blurRad="38100" dist="19050" dir="2700000" algn="tl" rotWithShape="0">
+                    <a:schemeClr val="dk1">
+                      <a:alpha val="40000"/>
+                    </a:schemeClr>
+                  </a:outerShdw>
+                </a:effectLst>
+              </a:rPr>
+              <a:t>이동 </a:t>
+            </a:r>
+            <a:r>
+              <a:rPr lang="en-US" altLang="ko-KR" sz="1400" dirty="0">
+                <a:ln w="0"/>
+                <a:effectLst>
+                  <a:outerShdw blurRad="38100" dist="19050" dir="2700000" algn="tl" rotWithShape="0">
+                    <a:schemeClr val="dk1">
+                      <a:alpha val="40000"/>
+                    </a:schemeClr>
+                  </a:outerShdw>
+                </a:effectLst>
+              </a:rPr>
+              <a:t>(</a:t>
+            </a:r>
+            <a:r>
+              <a:rPr lang="ko-KR" altLang="en-US" sz="1400" dirty="0">
+                <a:ln w="0"/>
+                <a:effectLst>
+                  <a:outerShdw blurRad="38100" dist="19050" dir="2700000" algn="tl" rotWithShape="0">
+                    <a:schemeClr val="dk1">
+                      <a:alpha val="40000"/>
+                    </a:schemeClr>
+                  </a:outerShdw>
+                </a:effectLst>
+              </a:rPr>
+              <a:t>방향키</a:t>
+            </a:r>
+            <a:r>
+              <a:rPr lang="en-US" altLang="ko-KR" sz="1400" dirty="0">
+                <a:ln w="0"/>
+                <a:effectLst>
+                  <a:outerShdw blurRad="38100" dist="19050" dir="2700000" algn="tl" rotWithShape="0">
+                    <a:schemeClr val="dk1">
+                      <a:alpha val="40000"/>
+                    </a:schemeClr>
+                  </a:outerShdw>
+                </a:effectLst>
+              </a:rPr>
+              <a:t>)</a:t>
+            </a:r>
+          </a:p>
+          <a:p>
+            <a:pPr marL="1200150" lvl="2" indent="-285750">
+              <a:buFont typeface="Arial" panose="020B0604020202020204" pitchFamily="34" charset="0"/>
+              <a:buChar char="•"/>
+            </a:pPr>
+            <a:r>
+              <a:rPr lang="ko-KR" altLang="en-US" sz="1400" dirty="0">
+                <a:ln w="0"/>
+                <a:effectLst>
+                  <a:outerShdw blurRad="38100" dist="19050" dir="2700000" algn="tl" rotWithShape="0">
+                    <a:schemeClr val="dk1">
+                      <a:alpha val="40000"/>
+                    </a:schemeClr>
+                  </a:outerShdw>
+                </a:effectLst>
+              </a:rPr>
+              <a:t>점프 </a:t>
+            </a:r>
+            <a:r>
+              <a:rPr lang="en-US" altLang="ko-KR" sz="1400" dirty="0">
+                <a:ln w="0"/>
+                <a:effectLst>
+                  <a:outerShdw blurRad="38100" dist="19050" dir="2700000" algn="tl" rotWithShape="0">
+                    <a:schemeClr val="dk1">
+                      <a:alpha val="40000"/>
+                    </a:schemeClr>
+                  </a:outerShdw>
+                </a:effectLst>
+              </a:rPr>
+              <a:t>(C)</a:t>
+            </a:r>
+          </a:p>
+          <a:p>
+            <a:pPr marL="1200150" lvl="2" indent="-285750">
+              <a:buFont typeface="Arial" panose="020B0604020202020204" pitchFamily="34" charset="0"/>
+              <a:buChar char="•"/>
+            </a:pPr>
+            <a:r>
+              <a:rPr lang="ko-KR" altLang="en-US" sz="1400" dirty="0" err="1">
+                <a:ln w="0"/>
+                <a:effectLst>
+                  <a:outerShdw blurRad="38100" dist="19050" dir="2700000" algn="tl" rotWithShape="0">
+                    <a:schemeClr val="dk1">
+                      <a:alpha val="40000"/>
+                    </a:schemeClr>
+                  </a:outerShdw>
+                </a:effectLst>
+              </a:rPr>
+              <a:t>대쉬</a:t>
+            </a:r>
+            <a:r>
+              <a:rPr lang="ko-KR" altLang="en-US" sz="1400" dirty="0">
+                <a:ln w="0"/>
+                <a:effectLst>
+                  <a:outerShdw blurRad="38100" dist="19050" dir="2700000" algn="tl" rotWithShape="0">
+                    <a:schemeClr val="dk1">
+                      <a:alpha val="40000"/>
+                    </a:schemeClr>
+                  </a:outerShdw>
+                </a:effectLst>
+              </a:rPr>
+              <a:t> </a:t>
+            </a:r>
+            <a:r>
+              <a:rPr lang="en-US" altLang="ko-KR" sz="1400" dirty="0">
+                <a:ln w="0"/>
+                <a:effectLst>
+                  <a:outerShdw blurRad="38100" dist="19050" dir="2700000" algn="tl" rotWithShape="0">
+                    <a:schemeClr val="dk1">
+                      <a:alpha val="40000"/>
+                    </a:schemeClr>
+                  </a:outerShdw>
+                </a:effectLst>
+              </a:rPr>
+              <a:t>(X)</a:t>
+            </a:r>
+          </a:p>
+          <a:p>
+            <a:pPr marL="1200150" lvl="2" indent="-285750">
+              <a:buFont typeface="Arial" panose="020B0604020202020204" pitchFamily="34" charset="0"/>
+              <a:buChar char="•"/>
+            </a:pPr>
+            <a:r>
+              <a:rPr lang="ko-KR" altLang="en-US" sz="1400" dirty="0">
+                <a:ln w="0"/>
+                <a:effectLst>
+                  <a:outerShdw blurRad="38100" dist="19050" dir="2700000" algn="tl" rotWithShape="0">
+                    <a:schemeClr val="dk1">
+                      <a:alpha val="40000"/>
+                    </a:schemeClr>
+                  </a:outerShdw>
+                </a:effectLst>
+              </a:rPr>
+              <a:t>상호작용 </a:t>
+            </a:r>
+            <a:r>
+              <a:rPr lang="en-US" altLang="ko-KR" sz="1400" dirty="0">
+                <a:ln w="0"/>
+                <a:effectLst>
+                  <a:outerShdw blurRad="38100" dist="19050" dir="2700000" algn="tl" rotWithShape="0">
+                    <a:schemeClr val="dk1">
+                      <a:alpha val="40000"/>
+                    </a:schemeClr>
+                  </a:outerShdw>
+                </a:effectLst>
+              </a:rPr>
+              <a:t>(Space)</a:t>
+            </a:r>
+          </a:p>
+          <a:p>
+            <a:pPr marL="1200150" lvl="2" indent="-285750">
+              <a:buFont typeface="Arial" panose="020B0604020202020204" pitchFamily="34" charset="0"/>
+              <a:buChar char="•"/>
+            </a:pPr>
+            <a:r>
+              <a:rPr lang="ko-KR" altLang="en-US" sz="1400" dirty="0">
+                <a:ln w="0"/>
+                <a:effectLst>
+                  <a:outerShdw blurRad="38100" dist="19050" dir="2700000" algn="tl" rotWithShape="0">
+                    <a:schemeClr val="dk1">
+                      <a:alpha val="40000"/>
+                    </a:schemeClr>
+                  </a:outerShdw>
+                </a:effectLst>
+              </a:rPr>
+              <a:t>기본 공격 </a:t>
+            </a:r>
+            <a:r>
+              <a:rPr lang="en-US" altLang="ko-KR" sz="1400" dirty="0">
+                <a:ln w="0"/>
+                <a:effectLst>
+                  <a:outerShdw blurRad="38100" dist="19050" dir="2700000" algn="tl" rotWithShape="0">
+                    <a:schemeClr val="dk1">
+                      <a:alpha val="40000"/>
+                    </a:schemeClr>
+                  </a:outerShdw>
+                </a:effectLst>
+              </a:rPr>
+              <a:t>(Z)</a:t>
+            </a:r>
+          </a:p>
+          <a:p>
+            <a:pPr marL="1200150" lvl="2" indent="-285750">
+              <a:buFont typeface="Arial" panose="020B0604020202020204" pitchFamily="34" charset="0"/>
+              <a:buChar char="•"/>
+            </a:pPr>
+            <a:r>
+              <a:rPr lang="ko-KR" altLang="en-US" sz="1400" dirty="0">
+                <a:ln w="0"/>
+                <a:effectLst>
+                  <a:outerShdw blurRad="38100" dist="19050" dir="2700000" algn="tl" rotWithShape="0">
+                    <a:schemeClr val="dk1">
+                      <a:alpha val="40000"/>
+                    </a:schemeClr>
+                  </a:outerShdw>
+                </a:effectLst>
+              </a:rPr>
+              <a:t>스킬 </a:t>
+            </a:r>
+            <a:r>
+              <a:rPr lang="en-US" altLang="ko-KR" sz="1400" dirty="0">
+                <a:ln w="0"/>
+                <a:effectLst>
+                  <a:outerShdw blurRad="38100" dist="19050" dir="2700000" algn="tl" rotWithShape="0">
+                    <a:schemeClr val="dk1">
+                      <a:alpha val="40000"/>
+                    </a:schemeClr>
+                  </a:outerShdw>
+                </a:effectLst>
+              </a:rPr>
+              <a:t>(A / S / D / F)</a:t>
+            </a:r>
+          </a:p>
+          <a:p>
+            <a:pPr marL="1200150" lvl="2" indent="-285750">
+              <a:buFont typeface="Arial" panose="020B0604020202020204" pitchFamily="34" charset="0"/>
+              <a:buChar char="•"/>
+            </a:pPr>
+            <a:endParaRPr lang="en-US" altLang="ko-KR" sz="1400" dirty="0">
+              <a:ln w="0"/>
+              <a:effectLst>
+                <a:outerShdw blurRad="38100" dist="19050" dir="2700000" algn="tl" rotWithShape="0">
+                  <a:schemeClr val="dk1">
+                    <a:alpha val="40000"/>
+                  </a:schemeClr>
+                </a:outerShdw>
+              </a:effectLst>
+            </a:endParaRPr>
+          </a:p>
+        </p:txBody>
+      </p:sp>
+      <p:sp>
+        <p:nvSpPr>
+          <p:cNvPr id="8" name="직사각형 7">
+            <a:extLst>
+              <a:ext uri="{FF2B5EF4-FFF2-40B4-BE49-F238E27FC236}">
+                <a16:creationId xmlns:a16="http://schemas.microsoft.com/office/drawing/2014/main" id="{46183614-C8C6-3E0A-1E70-D7C241DCCB13}"/>
+              </a:ext>
+            </a:extLst>
+          </p:cNvPr>
+          <p:cNvSpPr/>
+          <p:nvPr/>
+        </p:nvSpPr>
+        <p:spPr>
+          <a:xfrm>
+            <a:off x="6481274" y="1154242"/>
+            <a:ext cx="5182189" cy="2985433"/>
+          </a:xfrm>
+          <a:prstGeom prst="rect">
+            <a:avLst/>
+          </a:prstGeom>
+          <a:noFill/>
+        </p:spPr>
+        <p:txBody>
+          <a:bodyPr wrap="square" lIns="91440" tIns="45720" rIns="91440" bIns="45720">
+            <a:spAutoFit/>
+          </a:bodyPr>
+          <a:lstStyle/>
+          <a:p>
+            <a:pPr marL="742950" lvl="1" indent="-285750">
+              <a:buFont typeface="Arial" panose="020B0604020202020204" pitchFamily="34" charset="0"/>
+              <a:buChar char="•"/>
+            </a:pPr>
+            <a:r>
+              <a:rPr lang="ko-KR" altLang="en-US" sz="2000" dirty="0">
+                <a:ln w="0"/>
+                <a:effectLst>
+                  <a:outerShdw blurRad="38100" dist="19050" dir="2700000" algn="tl" rotWithShape="0">
+                    <a:schemeClr val="dk1">
+                      <a:alpha val="40000"/>
+                    </a:schemeClr>
+                  </a:outerShdw>
+                </a:effectLst>
+              </a:rPr>
+              <a:t>던전</a:t>
+            </a:r>
+            <a:endParaRPr lang="en-US" altLang="ko-KR" sz="2000" dirty="0">
+              <a:ln w="0"/>
+              <a:effectLst>
+                <a:outerShdw blurRad="38100" dist="19050" dir="2700000" algn="tl" rotWithShape="0">
+                  <a:schemeClr val="dk1">
+                    <a:alpha val="40000"/>
+                  </a:schemeClr>
+                </a:outerShdw>
+              </a:effectLst>
+            </a:endParaRPr>
+          </a:p>
+          <a:p>
+            <a:pPr marL="1200150" lvl="2" indent="-285750">
+              <a:buFont typeface="Arial" panose="020B0604020202020204" pitchFamily="34" charset="0"/>
+              <a:buChar char="•"/>
+            </a:pPr>
+            <a:r>
+              <a:rPr lang="ko-KR" altLang="en-US" sz="1400" dirty="0">
+                <a:ln w="0"/>
+                <a:effectLst>
+                  <a:outerShdw blurRad="38100" dist="19050" dir="2700000" algn="tl" rotWithShape="0">
+                    <a:schemeClr val="dk1">
+                      <a:alpha val="40000"/>
+                    </a:schemeClr>
+                  </a:outerShdw>
+                </a:effectLst>
+              </a:rPr>
+              <a:t>스테이지 구성</a:t>
+            </a:r>
+            <a:endParaRPr lang="en-US" altLang="ko-KR" sz="1400" dirty="0">
+              <a:ln w="0"/>
+              <a:effectLst>
+                <a:outerShdw blurRad="38100" dist="19050" dir="2700000" algn="tl" rotWithShape="0">
+                  <a:schemeClr val="dk1">
+                    <a:alpha val="40000"/>
+                  </a:schemeClr>
+                </a:outerShdw>
+              </a:effectLst>
+            </a:endParaRPr>
+          </a:p>
+          <a:p>
+            <a:pPr lvl="3"/>
+            <a:r>
+              <a:rPr lang="ko-KR" altLang="en-US" sz="1400" dirty="0" err="1">
+                <a:ln w="0"/>
+                <a:effectLst>
+                  <a:outerShdw blurRad="38100" dist="19050" dir="2700000" algn="tl" rotWithShape="0">
+                    <a:schemeClr val="dk1">
+                      <a:alpha val="40000"/>
+                    </a:schemeClr>
+                  </a:outerShdw>
+                </a:effectLst>
+              </a:rPr>
+              <a:t>플랫포머</a:t>
+            </a:r>
+            <a:r>
+              <a:rPr lang="ko-KR" altLang="en-US" sz="1400" dirty="0">
+                <a:ln w="0"/>
+                <a:effectLst>
+                  <a:outerShdw blurRad="38100" dist="19050" dir="2700000" algn="tl" rotWithShape="0">
+                    <a:schemeClr val="dk1">
+                      <a:alpha val="40000"/>
+                    </a:schemeClr>
+                  </a:outerShdw>
+                </a:effectLst>
+              </a:rPr>
+              <a:t> 형식의 발판을 밟고 다음 스테이지로 넘어가는 포탈을 찾아 넘어가면 된다</a:t>
+            </a:r>
+            <a:r>
+              <a:rPr lang="en-US" altLang="ko-KR" sz="1400" dirty="0">
+                <a:ln w="0"/>
+                <a:effectLst>
+                  <a:outerShdw blurRad="38100" dist="19050" dir="2700000" algn="tl" rotWithShape="0">
+                    <a:schemeClr val="dk1">
+                      <a:alpha val="40000"/>
+                    </a:schemeClr>
+                  </a:outerShdw>
+                </a:effectLst>
+              </a:rPr>
+              <a:t>.</a:t>
+            </a:r>
+          </a:p>
+          <a:p>
+            <a:pPr lvl="3"/>
+            <a:r>
+              <a:rPr lang="ko-KR" altLang="en-US" sz="1400" dirty="0">
+                <a:ln w="0"/>
+                <a:effectLst>
+                  <a:outerShdw blurRad="38100" dist="19050" dir="2700000" algn="tl" rotWithShape="0">
+                    <a:schemeClr val="dk1">
+                      <a:alpha val="40000"/>
+                    </a:schemeClr>
+                  </a:outerShdw>
+                </a:effectLst>
+              </a:rPr>
+              <a:t>꼭 모든 적을 죽이지 않아도 되지만 퀘스트를 위해 잡아야 할 때도 있다</a:t>
+            </a:r>
+            <a:r>
+              <a:rPr lang="en-US" altLang="ko-KR" sz="1400">
+                <a:ln w="0"/>
+                <a:effectLst>
+                  <a:outerShdw blurRad="38100" dist="19050" dir="2700000" algn="tl" rotWithShape="0">
+                    <a:schemeClr val="dk1">
+                      <a:alpha val="40000"/>
+                    </a:schemeClr>
+                  </a:outerShdw>
+                </a:effectLst>
+              </a:rPr>
+              <a:t>.</a:t>
+            </a:r>
+          </a:p>
+          <a:p>
+            <a:pPr lvl="3"/>
+            <a:endParaRPr lang="en-US" altLang="ko-KR" sz="1400" dirty="0">
+              <a:ln w="0"/>
+              <a:effectLst>
+                <a:outerShdw blurRad="38100" dist="19050" dir="2700000" algn="tl" rotWithShape="0">
+                  <a:schemeClr val="dk1">
+                    <a:alpha val="40000"/>
+                  </a:schemeClr>
+                </a:outerShdw>
+              </a:effectLst>
+            </a:endParaRPr>
+          </a:p>
+          <a:p>
+            <a:pPr marL="1200150" lvl="2" indent="-285750">
+              <a:buFont typeface="Arial" panose="020B0604020202020204" pitchFamily="34" charset="0"/>
+              <a:buChar char="•"/>
+            </a:pPr>
+            <a:r>
+              <a:rPr lang="ko-KR" altLang="en-US" sz="1400" dirty="0">
+                <a:ln w="0"/>
+                <a:effectLst>
+                  <a:outerShdw blurRad="38100" dist="19050" dir="2700000" algn="tl" rotWithShape="0">
+                    <a:schemeClr val="dk1">
+                      <a:alpha val="40000"/>
+                    </a:schemeClr>
+                  </a:outerShdw>
+                </a:effectLst>
+              </a:rPr>
+              <a:t>스테이지 컨셉</a:t>
+            </a:r>
+            <a:endParaRPr lang="en-US" altLang="ko-KR" sz="1400" dirty="0">
+              <a:ln w="0"/>
+              <a:effectLst>
+                <a:outerShdw blurRad="38100" dist="19050" dir="2700000" algn="tl" rotWithShape="0">
+                  <a:schemeClr val="dk1">
+                    <a:alpha val="40000"/>
+                  </a:schemeClr>
+                </a:outerShdw>
+              </a:effectLst>
+            </a:endParaRPr>
+          </a:p>
+          <a:p>
+            <a:pPr marL="1657350" lvl="3" indent="-285750">
+              <a:buFont typeface="Arial" panose="020B0604020202020204" pitchFamily="34" charset="0"/>
+              <a:buChar char="•"/>
+            </a:pPr>
+            <a:r>
+              <a:rPr lang="ko-KR" altLang="en-US" sz="1400" dirty="0">
+                <a:ln w="0"/>
+                <a:effectLst>
+                  <a:outerShdw blurRad="38100" dist="19050" dir="2700000" algn="tl" rotWithShape="0">
+                    <a:schemeClr val="dk1">
+                      <a:alpha val="40000"/>
+                    </a:schemeClr>
+                  </a:outerShdw>
+                </a:effectLst>
+              </a:rPr>
+              <a:t>식물형 몬스터가 나오는 초원</a:t>
+            </a:r>
+            <a:endParaRPr lang="en-US" altLang="ko-KR" sz="1400" dirty="0">
+              <a:ln w="0"/>
+              <a:effectLst>
+                <a:outerShdw blurRad="38100" dist="19050" dir="2700000" algn="tl" rotWithShape="0">
+                  <a:schemeClr val="dk1">
+                    <a:alpha val="40000"/>
+                  </a:schemeClr>
+                </a:outerShdw>
+              </a:effectLst>
+            </a:endParaRPr>
+          </a:p>
+          <a:p>
+            <a:pPr marL="1657350" lvl="3" indent="-285750">
+              <a:buFont typeface="Arial" panose="020B0604020202020204" pitchFamily="34" charset="0"/>
+              <a:buChar char="•"/>
+            </a:pPr>
+            <a:r>
+              <a:rPr lang="ko-KR" altLang="en-US" sz="1400" dirty="0">
+                <a:ln w="0"/>
+                <a:effectLst>
+                  <a:outerShdw blurRad="38100" dist="19050" dir="2700000" algn="tl" rotWithShape="0">
+                    <a:schemeClr val="dk1">
+                      <a:alpha val="40000"/>
+                    </a:schemeClr>
+                  </a:outerShdw>
+                </a:effectLst>
+              </a:rPr>
+              <a:t>마법사가 나오는 도시</a:t>
+            </a:r>
+            <a:endParaRPr lang="en-US" altLang="ko-KR" sz="1400" dirty="0">
+              <a:ln w="0"/>
+              <a:effectLst>
+                <a:outerShdw blurRad="38100" dist="19050" dir="2700000" algn="tl" rotWithShape="0">
+                  <a:schemeClr val="dk1">
+                    <a:alpha val="40000"/>
+                  </a:schemeClr>
+                </a:outerShdw>
+              </a:effectLst>
+            </a:endParaRPr>
+          </a:p>
+          <a:p>
+            <a:pPr marL="1657350" lvl="3" indent="-285750">
+              <a:buFont typeface="Arial" panose="020B0604020202020204" pitchFamily="34" charset="0"/>
+              <a:buChar char="•"/>
+            </a:pPr>
+            <a:r>
+              <a:rPr lang="ko-KR" altLang="en-US" sz="1400" dirty="0">
+                <a:ln w="0"/>
+                <a:effectLst>
+                  <a:outerShdw blurRad="38100" dist="19050" dir="2700000" algn="tl" rotWithShape="0">
+                    <a:schemeClr val="dk1">
+                      <a:alpha val="40000"/>
+                    </a:schemeClr>
+                  </a:outerShdw>
+                </a:effectLst>
+              </a:rPr>
+              <a:t>해적이 나오는 바다</a:t>
+            </a:r>
+            <a:endParaRPr lang="en-US" altLang="ko-KR" sz="1400" dirty="0">
+              <a:ln w="0"/>
+              <a:effectLst>
+                <a:outerShdw blurRad="38100" dist="19050" dir="2700000" algn="tl" rotWithShape="0">
+                  <a:schemeClr val="dk1">
+                    <a:alpha val="40000"/>
+                  </a:schemeClr>
+                </a:outerShdw>
+              </a:effectLst>
+            </a:endParaRPr>
+          </a:p>
+          <a:p>
+            <a:pPr marL="1657350" lvl="3" indent="-285750">
+              <a:buFont typeface="Arial" panose="020B0604020202020204" pitchFamily="34" charset="0"/>
+              <a:buChar char="•"/>
+            </a:pPr>
+            <a:endParaRPr lang="en-US" altLang="ko-KR" sz="1400" dirty="0">
+              <a:ln w="0"/>
+              <a:effectLst>
+                <a:outerShdw blurRad="38100" dist="19050" dir="2700000" algn="tl" rotWithShape="0">
+                  <a:schemeClr val="dk1">
+                    <a:alpha val="40000"/>
+                  </a:schemeClr>
+                </a:outerShdw>
+              </a:effectLst>
+            </a:endParaRPr>
+          </a:p>
+          <a:p>
+            <a:pPr marL="1200150" lvl="2" indent="-285750">
+              <a:buFont typeface="Arial" panose="020B0604020202020204" pitchFamily="34" charset="0"/>
+              <a:buChar char="•"/>
+            </a:pPr>
+            <a:endParaRPr lang="en-US" altLang="ko-KR" sz="1400" dirty="0">
+              <a:ln w="0"/>
+              <a:effectLst>
+                <a:outerShdw blurRad="38100" dist="19050" dir="2700000" algn="tl" rotWithShape="0">
+                  <a:schemeClr val="dk1">
+                    <a:alpha val="40000"/>
+                  </a:schemeClr>
+                </a:outerShdw>
+              </a:effectLst>
+            </a:endParaRPr>
+          </a:p>
+        </p:txBody>
+      </p:sp>
+    </p:spTree>
+    <p:extLst>
+      <p:ext uri="{BB962C8B-B14F-4D97-AF65-F5344CB8AC3E}">
+        <p14:creationId xmlns:p14="http://schemas.microsoft.com/office/powerpoint/2010/main" val="3725684185"/>
+      </p:ext>
+    </p:extLst>
+  </p:cSld>
+  <p:clrMapOvr>
+    <a:masterClrMapping/>
+  </p:clrMapOvr>
+</p:sld>
+</file>
+
 <file path=ppt/theme/theme1.xml><?xml version="1.0" encoding="utf-8"?>
 <a:theme xmlns:a="http://schemas.openxmlformats.org/drawingml/2006/main" name="Office 테마">
   <a:themeElements>
@@ -8156,18 +9443,18 @@
 </file>
 
 <file path=customXml/item1.xml><?xml version="1.0" encoding="utf-8"?>
+<p:properties xmlns:p="http://schemas.microsoft.com/office/2006/metadata/properties" xmlns:xsi="http://www.w3.org/2001/XMLSchema-instance" xmlns:pc="http://schemas.microsoft.com/office/infopath/2007/PartnerControls">
+  <documentManagement/>
+</p:properties>
+</file>
+
+<file path=customXml/item2.xml><?xml version="1.0" encoding="utf-8"?>
 <?mso-contentType ?>
 <FormTemplates xmlns="http://schemas.microsoft.com/sharepoint/v3/contenttype/forms">
   <Display>DocumentLibraryForm</Display>
   <Edit>DocumentLibraryForm</Edit>
   <New>DocumentLibraryForm</New>
 </FormTemplates>
-</file>
-
-<file path=customXml/item2.xml><?xml version="1.0" encoding="utf-8"?>
-<p:properties xmlns:p="http://schemas.microsoft.com/office/2006/metadata/properties" xmlns:xsi="http://www.w3.org/2001/XMLSchema-instance" xmlns:pc="http://schemas.microsoft.com/office/infopath/2007/PartnerControls">
-  <documentManagement/>
-</p:properties>
 </file>
 
 <file path=customXml/item3.xml><?xml version="1.0" encoding="utf-8"?>
@@ -8315,14 +9602,6 @@
 </file>
 
 <file path=customXml/itemProps1.xml><?xml version="1.0" encoding="utf-8"?>
-<ds:datastoreItem xmlns:ds="http://schemas.openxmlformats.org/officeDocument/2006/customXml" ds:itemID="{AFE595DB-77C5-4DAA-88C9-EEC40BB74D18}">
-  <ds:schemaRefs>
-    <ds:schemaRef ds:uri="http://schemas.microsoft.com/sharepoint/v3/contenttype/forms"/>
-  </ds:schemaRefs>
-</ds:datastoreItem>
-</file>
-
-<file path=customXml/itemProps2.xml><?xml version="1.0" encoding="utf-8"?>
 <ds:datastoreItem xmlns:ds="http://schemas.openxmlformats.org/officeDocument/2006/customXml" ds:itemID="{782AFB39-DA39-4EE6-A39E-4DDC2A2453CC}">
   <ds:schemaRefs>
     <ds:schemaRef ds:uri="http://purl.org/dc/dcmitype/"/>
@@ -8334,6 +9613,14 @@
     <ds:schemaRef ds:uri="http://schemas.microsoft.com/office/infopath/2007/PartnerControls"/>
     <ds:schemaRef ds:uri="http://schemas.microsoft.com/office/2006/metadata/properties"/>
     <ds:schemaRef ds:uri="http://purl.org/dc/terms/"/>
+  </ds:schemaRefs>
+</ds:datastoreItem>
+</file>
+
+<file path=customXml/itemProps2.xml><?xml version="1.0" encoding="utf-8"?>
+<ds:datastoreItem xmlns:ds="http://schemas.openxmlformats.org/officeDocument/2006/customXml" ds:itemID="{AFE595DB-77C5-4DAA-88C9-EEC40BB74D18}">
+  <ds:schemaRefs>
+    <ds:schemaRef ds:uri="http://schemas.microsoft.com/sharepoint/v3/contenttype/forms"/>
   </ds:schemaRefs>
 </ds:datastoreItem>
 </file>
